--- a/2023/01方案/九音方案参考设计资料/B7) 无线麦克风(小蜜蜂)/Soundec 无线降噪麦克风解决方案.pptx
+++ b/2023/01方案/九音方案参考设计资料/B7) 无线麦克风(小蜜蜂)/Soundec 无线降噪麦克风解决方案.pptx
@@ -6,8 +6,7 @@
   </p:sldMasterIdLst>
   <p:sldIdLst>
     <p:sldId id="256" r:id="rId2"/>
-    <p:sldId id="259" r:id="rId3"/>
-    <p:sldId id="257" r:id="rId4"/>
+    <p:sldId id="257" r:id="rId3"/>
   </p:sldIdLst>
   <p:sldSz cx="12192000" cy="6858000"/>
   <p:notesSz cx="6858000" cy="9144000"/>
@@ -261,7 +260,7 @@
           <a:p>
             <a:fld id="{1C677AD7-C65F-4FC9-8BB3-46357C9429F2}" type="datetimeFigureOut">
               <a:rPr lang="zh-CN" altLang="en-US" smtClean="0"/>
-              <a:t>2022/10/19</a:t>
+              <a:t>2023/4/12</a:t>
             </a:fld>
             <a:endParaRPr lang="zh-CN" altLang="en-US"/>
           </a:p>
@@ -459,7 +458,7 @@
           <a:p>
             <a:fld id="{1C677AD7-C65F-4FC9-8BB3-46357C9429F2}" type="datetimeFigureOut">
               <a:rPr lang="zh-CN" altLang="en-US" smtClean="0"/>
-              <a:t>2022/10/19</a:t>
+              <a:t>2023/4/12</a:t>
             </a:fld>
             <a:endParaRPr lang="zh-CN" altLang="en-US"/>
           </a:p>
@@ -667,7 +666,7 @@
           <a:p>
             <a:fld id="{1C677AD7-C65F-4FC9-8BB3-46357C9429F2}" type="datetimeFigureOut">
               <a:rPr lang="zh-CN" altLang="en-US" smtClean="0"/>
-              <a:t>2022/10/19</a:t>
+              <a:t>2023/4/12</a:t>
             </a:fld>
             <a:endParaRPr lang="zh-CN" altLang="en-US"/>
           </a:p>
@@ -865,7 +864,7 @@
           <a:p>
             <a:fld id="{1C677AD7-C65F-4FC9-8BB3-46357C9429F2}" type="datetimeFigureOut">
               <a:rPr lang="zh-CN" altLang="en-US" smtClean="0"/>
-              <a:t>2022/10/19</a:t>
+              <a:t>2023/4/12</a:t>
             </a:fld>
             <a:endParaRPr lang="zh-CN" altLang="en-US"/>
           </a:p>
@@ -1140,7 +1139,7 @@
           <a:p>
             <a:fld id="{1C677AD7-C65F-4FC9-8BB3-46357C9429F2}" type="datetimeFigureOut">
               <a:rPr lang="zh-CN" altLang="en-US" smtClean="0"/>
-              <a:t>2022/10/19</a:t>
+              <a:t>2023/4/12</a:t>
             </a:fld>
             <a:endParaRPr lang="zh-CN" altLang="en-US"/>
           </a:p>
@@ -1405,7 +1404,7 @@
           <a:p>
             <a:fld id="{1C677AD7-C65F-4FC9-8BB3-46357C9429F2}" type="datetimeFigureOut">
               <a:rPr lang="zh-CN" altLang="en-US" smtClean="0"/>
-              <a:t>2022/10/19</a:t>
+              <a:t>2023/4/12</a:t>
             </a:fld>
             <a:endParaRPr lang="zh-CN" altLang="en-US"/>
           </a:p>
@@ -1817,7 +1816,7 @@
           <a:p>
             <a:fld id="{1C677AD7-C65F-4FC9-8BB3-46357C9429F2}" type="datetimeFigureOut">
               <a:rPr lang="zh-CN" altLang="en-US" smtClean="0"/>
-              <a:t>2022/10/19</a:t>
+              <a:t>2023/4/12</a:t>
             </a:fld>
             <a:endParaRPr lang="zh-CN" altLang="en-US"/>
           </a:p>
@@ -1958,7 +1957,7 @@
           <a:p>
             <a:fld id="{1C677AD7-C65F-4FC9-8BB3-46357C9429F2}" type="datetimeFigureOut">
               <a:rPr lang="zh-CN" altLang="en-US" smtClean="0"/>
-              <a:t>2022/10/19</a:t>
+              <a:t>2023/4/12</a:t>
             </a:fld>
             <a:endParaRPr lang="zh-CN" altLang="en-US"/>
           </a:p>
@@ -2071,7 +2070,7 @@
           <a:p>
             <a:fld id="{1C677AD7-C65F-4FC9-8BB3-46357C9429F2}" type="datetimeFigureOut">
               <a:rPr lang="zh-CN" altLang="en-US" smtClean="0"/>
-              <a:t>2022/10/19</a:t>
+              <a:t>2023/4/12</a:t>
             </a:fld>
             <a:endParaRPr lang="zh-CN" altLang="en-US"/>
           </a:p>
@@ -2382,7 +2381,7 @@
           <a:p>
             <a:fld id="{1C677AD7-C65F-4FC9-8BB3-46357C9429F2}" type="datetimeFigureOut">
               <a:rPr lang="zh-CN" altLang="en-US" smtClean="0"/>
-              <a:t>2022/10/19</a:t>
+              <a:t>2023/4/12</a:t>
             </a:fld>
             <a:endParaRPr lang="zh-CN" altLang="en-US"/>
           </a:p>
@@ -2670,7 +2669,7 @@
           <a:p>
             <a:fld id="{1C677AD7-C65F-4FC9-8BB3-46357C9429F2}" type="datetimeFigureOut">
               <a:rPr lang="zh-CN" altLang="en-US" smtClean="0"/>
-              <a:t>2022/10/19</a:t>
+              <a:t>2023/4/12</a:t>
             </a:fld>
             <a:endParaRPr lang="zh-CN" altLang="en-US"/>
           </a:p>
@@ -2911,7 +2910,7 @@
           <a:p>
             <a:fld id="{1C677AD7-C65F-4FC9-8BB3-46357C9429F2}" type="datetimeFigureOut">
               <a:rPr lang="zh-CN" altLang="en-US" smtClean="0"/>
-              <a:t>2022/10/19</a:t>
+              <a:t>2023/4/12</a:t>
             </a:fld>
             <a:endParaRPr lang="zh-CN" altLang="en-US"/>
           </a:p>
@@ -3464,541 +3463,6 @@
       </p:grpSpPr>
       <p:sp>
         <p:nvSpPr>
-          <p:cNvPr id="20" name="椭圆 19">
-            <a:extLst>
-              <a:ext uri="{FF2B5EF4-FFF2-40B4-BE49-F238E27FC236}">
-                <a16:creationId xmlns:a16="http://schemas.microsoft.com/office/drawing/2014/main" id="{E068E626-84E0-4C43-87A1-20918B79E689}"/>
-              </a:ext>
-            </a:extLst>
-          </p:cNvPr>
-          <p:cNvSpPr/>
-          <p:nvPr/>
-        </p:nvSpPr>
-        <p:spPr>
-          <a:xfrm>
-            <a:off x="6687354" y="1936975"/>
-            <a:ext cx="5157989" cy="4340181"/>
-          </a:xfrm>
-          <a:prstGeom prst="ellipse">
-            <a:avLst/>
-          </a:prstGeom>
-        </p:spPr>
-        <p:style>
-          <a:lnRef idx="2">
-            <a:schemeClr val="accent4"/>
-          </a:lnRef>
-          <a:fillRef idx="1">
-            <a:schemeClr val="lt1"/>
-          </a:fillRef>
-          <a:effectRef idx="0">
-            <a:schemeClr val="accent4"/>
-          </a:effectRef>
-          <a:fontRef idx="minor">
-            <a:schemeClr val="dk1"/>
-          </a:fontRef>
-        </p:style>
-        <p:txBody>
-          <a:bodyPr rtlCol="0" anchor="ctr"/>
-          <a:lstStyle/>
-          <a:p>
-            <a:pPr algn="ctr"/>
-            <a:endParaRPr lang="zh-CN" altLang="en-US"/>
-          </a:p>
-        </p:txBody>
-      </p:sp>
-      <p:sp>
-        <p:nvSpPr>
-          <p:cNvPr id="19" name="椭圆 18">
-            <a:extLst>
-              <a:ext uri="{FF2B5EF4-FFF2-40B4-BE49-F238E27FC236}">
-                <a16:creationId xmlns:a16="http://schemas.microsoft.com/office/drawing/2014/main" id="{E19AB3E3-353F-43AC-A545-589E64CBC8DD}"/>
-              </a:ext>
-            </a:extLst>
-          </p:cNvPr>
-          <p:cNvSpPr/>
-          <p:nvPr/>
-        </p:nvSpPr>
-        <p:spPr>
-          <a:xfrm>
-            <a:off x="1310424" y="1899285"/>
-            <a:ext cx="5157989" cy="4340181"/>
-          </a:xfrm>
-          <a:prstGeom prst="ellipse">
-            <a:avLst/>
-          </a:prstGeom>
-        </p:spPr>
-        <p:style>
-          <a:lnRef idx="2">
-            <a:schemeClr val="accent4"/>
-          </a:lnRef>
-          <a:fillRef idx="1">
-            <a:schemeClr val="lt1"/>
-          </a:fillRef>
-          <a:effectRef idx="0">
-            <a:schemeClr val="accent4"/>
-          </a:effectRef>
-          <a:fontRef idx="minor">
-            <a:schemeClr val="dk1"/>
-          </a:fontRef>
-        </p:style>
-        <p:txBody>
-          <a:bodyPr rtlCol="0" anchor="ctr"/>
-          <a:lstStyle/>
-          <a:p>
-            <a:pPr algn="ctr"/>
-            <a:endParaRPr lang="zh-CN" altLang="en-US" dirty="0"/>
-          </a:p>
-        </p:txBody>
-      </p:sp>
-      <p:sp>
-        <p:nvSpPr>
-          <p:cNvPr id="2" name="标题 1">
-            <a:extLst>
-              <a:ext uri="{FF2B5EF4-FFF2-40B4-BE49-F238E27FC236}">
-                <a16:creationId xmlns:a16="http://schemas.microsoft.com/office/drawing/2014/main" id="{E4FC518D-355A-41E3-AE0B-8F9BDC744D45}"/>
-              </a:ext>
-            </a:extLst>
-          </p:cNvPr>
-          <p:cNvSpPr>
-            <a:spLocks noGrp="1"/>
-          </p:cNvSpPr>
-          <p:nvPr>
-            <p:ph type="title"/>
-          </p:nvPr>
-        </p:nvSpPr>
-        <p:spPr/>
-        <p:txBody>
-          <a:bodyPr/>
-          <a:lstStyle/>
-          <a:p>
-            <a:r>
-              <a:rPr lang="zh-CN" altLang="en-US" dirty="0"/>
-              <a:t>方案架构</a:t>
-            </a:r>
-            <a:r>
-              <a:rPr lang="en-US" altLang="zh-CN" dirty="0"/>
-              <a:t> (1*Tx</a:t>
-            </a:r>
-            <a:r>
-              <a:rPr lang="zh-CN" altLang="en-US" dirty="0"/>
-              <a:t>，</a:t>
-            </a:r>
-            <a:r>
-              <a:rPr lang="en-US" altLang="zh-CN" dirty="0"/>
-              <a:t>1*Rx)</a:t>
-            </a:r>
-            <a:endParaRPr lang="zh-CN" altLang="en-US" dirty="0"/>
-          </a:p>
-        </p:txBody>
-      </p:sp>
-      <p:pic>
-        <p:nvPicPr>
-          <p:cNvPr id="6" name="图片 5">
-            <a:extLst>
-              <a:ext uri="{FF2B5EF4-FFF2-40B4-BE49-F238E27FC236}">
-                <a16:creationId xmlns:a16="http://schemas.microsoft.com/office/drawing/2014/main" id="{DF636233-2F61-402F-AE6B-7A5CC5DB8445}"/>
-              </a:ext>
-            </a:extLst>
-          </p:cNvPr>
-          <p:cNvPicPr>
-            <a:picLocks noChangeAspect="1"/>
-          </p:cNvPicPr>
-          <p:nvPr/>
-        </p:nvPicPr>
-        <p:blipFill rotWithShape="1">
-          <a:blip r:embed="rId2"/>
-          <a:srcRect l="60058" t="29096" r="-1"/>
-          <a:stretch/>
-        </p:blipFill>
-        <p:spPr>
-          <a:xfrm>
-            <a:off x="8518300" y="2763361"/>
-            <a:ext cx="1496095" cy="2687407"/>
-          </a:xfrm>
-          <a:prstGeom prst="rect">
-            <a:avLst/>
-          </a:prstGeom>
-        </p:spPr>
-      </p:pic>
-      <p:pic>
-        <p:nvPicPr>
-          <p:cNvPr id="8" name="图片 7">
-            <a:extLst>
-              <a:ext uri="{FF2B5EF4-FFF2-40B4-BE49-F238E27FC236}">
-                <a16:creationId xmlns:a16="http://schemas.microsoft.com/office/drawing/2014/main" id="{03E90B67-BB3D-4B52-9BAB-50F5AA5D3868}"/>
-              </a:ext>
-            </a:extLst>
-          </p:cNvPr>
-          <p:cNvPicPr>
-            <a:picLocks noChangeAspect="1"/>
-          </p:cNvPicPr>
-          <p:nvPr/>
-        </p:nvPicPr>
-        <p:blipFill>
-          <a:blip r:embed="rId3"/>
-          <a:stretch>
-            <a:fillRect/>
-          </a:stretch>
-        </p:blipFill>
-        <p:spPr>
-          <a:xfrm>
-            <a:off x="2382593" y="2384282"/>
-            <a:ext cx="2365390" cy="3445568"/>
-          </a:xfrm>
-          <a:prstGeom prst="rect">
-            <a:avLst/>
-          </a:prstGeom>
-        </p:spPr>
-      </p:pic>
-      <p:sp>
-        <p:nvSpPr>
-          <p:cNvPr id="9" name="文本框 8">
-            <a:extLst>
-              <a:ext uri="{FF2B5EF4-FFF2-40B4-BE49-F238E27FC236}">
-                <a16:creationId xmlns:a16="http://schemas.microsoft.com/office/drawing/2014/main" id="{11287B92-C2E2-41B6-8C70-F55896DEE7EF}"/>
-              </a:ext>
-            </a:extLst>
-          </p:cNvPr>
-          <p:cNvSpPr txBox="1"/>
-          <p:nvPr/>
-        </p:nvSpPr>
-        <p:spPr>
-          <a:xfrm>
-            <a:off x="5602968" y="3529228"/>
-            <a:ext cx="734496" cy="307777"/>
-          </a:xfrm>
-          <a:prstGeom prst="rect">
-            <a:avLst/>
-          </a:prstGeom>
-          <a:solidFill>
-            <a:schemeClr val="accent4">
-              <a:lumMod val="40000"/>
-              <a:lumOff val="60000"/>
-            </a:schemeClr>
-          </a:solidFill>
-        </p:spPr>
-        <p:txBody>
-          <a:bodyPr wrap="none" rtlCol="0">
-            <a:spAutoFit/>
-          </a:bodyPr>
-          <a:lstStyle/>
-          <a:p>
-            <a:r>
-              <a:rPr lang="en-US" altLang="zh-CN" sz="1400" dirty="0" err="1"/>
-              <a:t>talkMic</a:t>
-            </a:r>
-            <a:endParaRPr lang="zh-CN" altLang="en-US" sz="1400" dirty="0"/>
-          </a:p>
-        </p:txBody>
-      </p:sp>
-      <p:sp>
-        <p:nvSpPr>
-          <p:cNvPr id="10" name="文本框 9">
-            <a:extLst>
-              <a:ext uri="{FF2B5EF4-FFF2-40B4-BE49-F238E27FC236}">
-                <a16:creationId xmlns:a16="http://schemas.microsoft.com/office/drawing/2014/main" id="{9B33BEB6-4D57-4B14-9FB3-A632BD1B3D76}"/>
-              </a:ext>
-            </a:extLst>
-          </p:cNvPr>
-          <p:cNvSpPr txBox="1"/>
-          <p:nvPr/>
-        </p:nvSpPr>
-        <p:spPr>
-          <a:xfrm>
-            <a:off x="5602968" y="4069376"/>
-            <a:ext cx="734496" cy="307777"/>
-          </a:xfrm>
-          <a:prstGeom prst="rect">
-            <a:avLst/>
-          </a:prstGeom>
-          <a:solidFill>
-            <a:schemeClr val="accent4">
-              <a:lumMod val="40000"/>
-              <a:lumOff val="60000"/>
-            </a:schemeClr>
-          </a:solidFill>
-        </p:spPr>
-        <p:txBody>
-          <a:bodyPr wrap="square" rtlCol="0">
-            <a:spAutoFit/>
-          </a:bodyPr>
-          <a:lstStyle/>
-          <a:p>
-            <a:r>
-              <a:rPr lang="en-US" altLang="zh-CN" sz="1400" dirty="0" err="1"/>
-              <a:t>refMic</a:t>
-            </a:r>
-            <a:endParaRPr lang="zh-CN" altLang="en-US" sz="1400" dirty="0"/>
-          </a:p>
-        </p:txBody>
-      </p:sp>
-      <p:cxnSp>
-        <p:nvCxnSpPr>
-          <p:cNvPr id="12" name="直接箭头连接符 11">
-            <a:extLst>
-              <a:ext uri="{FF2B5EF4-FFF2-40B4-BE49-F238E27FC236}">
-                <a16:creationId xmlns:a16="http://schemas.microsoft.com/office/drawing/2014/main" id="{BE138C34-BBE7-4176-91FE-54265D1EFF22}"/>
-              </a:ext>
-            </a:extLst>
-          </p:cNvPr>
-          <p:cNvCxnSpPr>
-            <a:cxnSpLocks/>
-            <a:endCxn id="9" idx="1"/>
-          </p:cNvCxnSpPr>
-          <p:nvPr/>
-        </p:nvCxnSpPr>
-        <p:spPr>
-          <a:xfrm>
-            <a:off x="4224270" y="2691685"/>
-            <a:ext cx="1378698" cy="991432"/>
-          </a:xfrm>
-          <a:prstGeom prst="straightConnector1">
-            <a:avLst/>
-          </a:prstGeom>
-          <a:ln>
-            <a:tailEnd type="triangle"/>
-          </a:ln>
-        </p:spPr>
-        <p:style>
-          <a:lnRef idx="1">
-            <a:schemeClr val="accent4"/>
-          </a:lnRef>
-          <a:fillRef idx="0">
-            <a:schemeClr val="accent4"/>
-          </a:fillRef>
-          <a:effectRef idx="0">
-            <a:schemeClr val="accent4"/>
-          </a:effectRef>
-          <a:fontRef idx="minor">
-            <a:schemeClr val="tx1"/>
-          </a:fontRef>
-        </p:style>
-      </p:cxnSp>
-      <p:sp>
-        <p:nvSpPr>
-          <p:cNvPr id="15" name="流程图: 磁盘 14">
-            <a:extLst>
-              <a:ext uri="{FF2B5EF4-FFF2-40B4-BE49-F238E27FC236}">
-                <a16:creationId xmlns:a16="http://schemas.microsoft.com/office/drawing/2014/main" id="{2AB706F6-31B8-481C-85CD-92690491792F}"/>
-              </a:ext>
-            </a:extLst>
-          </p:cNvPr>
-          <p:cNvSpPr/>
-          <p:nvPr/>
-        </p:nvSpPr>
-        <p:spPr>
-          <a:xfrm>
-            <a:off x="3779949" y="5180527"/>
-            <a:ext cx="218941" cy="170645"/>
-          </a:xfrm>
-          <a:prstGeom prst="flowChartMagneticDisk">
-            <a:avLst/>
-          </a:prstGeom>
-        </p:spPr>
-        <p:style>
-          <a:lnRef idx="1">
-            <a:schemeClr val="dk1"/>
-          </a:lnRef>
-          <a:fillRef idx="2">
-            <a:schemeClr val="dk1"/>
-          </a:fillRef>
-          <a:effectRef idx="1">
-            <a:schemeClr val="dk1"/>
-          </a:effectRef>
-          <a:fontRef idx="minor">
-            <a:schemeClr val="dk1"/>
-          </a:fontRef>
-        </p:style>
-        <p:txBody>
-          <a:bodyPr rtlCol="0" anchor="ctr"/>
-          <a:lstStyle/>
-          <a:p>
-            <a:pPr algn="ctr"/>
-            <a:endParaRPr lang="zh-CN" altLang="en-US"/>
-          </a:p>
-        </p:txBody>
-      </p:sp>
-      <p:cxnSp>
-        <p:nvCxnSpPr>
-          <p:cNvPr id="16" name="直接箭头连接符 15">
-            <a:extLst>
-              <a:ext uri="{FF2B5EF4-FFF2-40B4-BE49-F238E27FC236}">
-                <a16:creationId xmlns:a16="http://schemas.microsoft.com/office/drawing/2014/main" id="{FF13738E-0EBA-4802-846C-112E949508A5}"/>
-              </a:ext>
-            </a:extLst>
-          </p:cNvPr>
-          <p:cNvCxnSpPr>
-            <a:cxnSpLocks/>
-            <a:stCxn id="15" idx="4"/>
-            <a:endCxn id="10" idx="1"/>
-          </p:cNvCxnSpPr>
-          <p:nvPr/>
-        </p:nvCxnSpPr>
-        <p:spPr>
-          <a:xfrm flipV="1">
-            <a:off x="3998890" y="4223265"/>
-            <a:ext cx="1604078" cy="1042585"/>
-          </a:xfrm>
-          <a:prstGeom prst="straightConnector1">
-            <a:avLst/>
-          </a:prstGeom>
-          <a:ln>
-            <a:tailEnd type="triangle"/>
-          </a:ln>
-        </p:spPr>
-        <p:style>
-          <a:lnRef idx="1">
-            <a:schemeClr val="accent4"/>
-          </a:lnRef>
-          <a:fillRef idx="0">
-            <a:schemeClr val="accent4"/>
-          </a:fillRef>
-          <a:effectRef idx="0">
-            <a:schemeClr val="accent4"/>
-          </a:effectRef>
-          <a:fontRef idx="minor">
-            <a:schemeClr val="tx1"/>
-          </a:fontRef>
-        </p:style>
-      </p:cxnSp>
-      <p:sp>
-        <p:nvSpPr>
-          <p:cNvPr id="21" name="文本框 20">
-            <a:extLst>
-              <a:ext uri="{FF2B5EF4-FFF2-40B4-BE49-F238E27FC236}">
-                <a16:creationId xmlns:a16="http://schemas.microsoft.com/office/drawing/2014/main" id="{327B8D6F-FBD3-480A-8BC2-99FC54C73ACB}"/>
-              </a:ext>
-            </a:extLst>
-          </p:cNvPr>
-          <p:cNvSpPr txBox="1"/>
-          <p:nvPr/>
-        </p:nvSpPr>
-        <p:spPr>
-          <a:xfrm>
-            <a:off x="3450836" y="2032156"/>
-            <a:ext cx="877163" cy="369332"/>
-          </a:xfrm>
-          <a:prstGeom prst="rect">
-            <a:avLst/>
-          </a:prstGeom>
-          <a:noFill/>
-        </p:spPr>
-        <p:txBody>
-          <a:bodyPr wrap="none" rtlCol="0">
-            <a:spAutoFit/>
-          </a:bodyPr>
-          <a:lstStyle/>
-          <a:p>
-            <a:r>
-              <a:rPr lang="zh-CN" altLang="en-US" dirty="0"/>
-              <a:t>发射端</a:t>
-            </a:r>
-          </a:p>
-        </p:txBody>
-      </p:sp>
-      <p:sp>
-        <p:nvSpPr>
-          <p:cNvPr id="22" name="文本框 21">
-            <a:extLst>
-              <a:ext uri="{FF2B5EF4-FFF2-40B4-BE49-F238E27FC236}">
-                <a16:creationId xmlns:a16="http://schemas.microsoft.com/office/drawing/2014/main" id="{BDD41E8B-BC19-4980-A1F8-243D36DE620B}"/>
-              </a:ext>
-            </a:extLst>
-          </p:cNvPr>
-          <p:cNvSpPr txBox="1"/>
-          <p:nvPr/>
-        </p:nvSpPr>
-        <p:spPr>
-          <a:xfrm>
-            <a:off x="8775552" y="2165502"/>
-            <a:ext cx="877163" cy="369332"/>
-          </a:xfrm>
-          <a:prstGeom prst="rect">
-            <a:avLst/>
-          </a:prstGeom>
-          <a:noFill/>
-        </p:spPr>
-        <p:txBody>
-          <a:bodyPr wrap="none" rtlCol="0">
-            <a:spAutoFit/>
-          </a:bodyPr>
-          <a:lstStyle/>
-          <a:p>
-            <a:r>
-              <a:rPr lang="zh-CN" altLang="en-US" dirty="0"/>
-              <a:t>接收端</a:t>
-            </a:r>
-          </a:p>
-        </p:txBody>
-      </p:sp>
-      <p:pic>
-        <p:nvPicPr>
-          <p:cNvPr id="23" name="图片 22">
-            <a:extLst>
-              <a:ext uri="{FF2B5EF4-FFF2-40B4-BE49-F238E27FC236}">
-                <a16:creationId xmlns:a16="http://schemas.microsoft.com/office/drawing/2014/main" id="{9B164EC2-8C76-4A8A-BAB0-2799A8EFFC9B}"/>
-              </a:ext>
-            </a:extLst>
-          </p:cNvPr>
-          <p:cNvPicPr>
-            <a:picLocks noChangeAspect="1"/>
-          </p:cNvPicPr>
-          <p:nvPr/>
-        </p:nvPicPr>
-        <p:blipFill>
-          <a:blip r:embed="rId4">
-            <a:extLst>
-              <a:ext uri="{28A0092B-C50C-407E-A947-70E740481C1C}">
-                <a14:useLocalDpi xmlns:a14="http://schemas.microsoft.com/office/drawing/2010/main" val="0"/>
-              </a:ext>
-            </a:extLst>
-          </a:blip>
-          <a:stretch>
-            <a:fillRect/>
-          </a:stretch>
-        </p:blipFill>
-        <p:spPr>
-          <a:xfrm>
-            <a:off x="8609179" y="196176"/>
-            <a:ext cx="3251367" cy="1054154"/>
-          </a:xfrm>
-          <a:prstGeom prst="rect">
-            <a:avLst/>
-          </a:prstGeom>
-        </p:spPr>
-      </p:pic>
-    </p:spTree>
-    <p:extLst>
-      <p:ext uri="{BB962C8B-B14F-4D97-AF65-F5344CB8AC3E}">
-        <p14:creationId xmlns:p14="http://schemas.microsoft.com/office/powerpoint/2010/main" val="4237668292"/>
-      </p:ext>
-    </p:extLst>
-  </p:cSld>
-  <p:clrMapOvr>
-    <a:masterClrMapping/>
-  </p:clrMapOvr>
-</p:sld>
-</file>
-
-<file path=ppt/slides/slide3.xml><?xml version="1.0" encoding="utf-8"?>
-<p:sld xmlns:a="http://schemas.openxmlformats.org/drawingml/2006/main" xmlns:r="http://schemas.openxmlformats.org/officeDocument/2006/relationships" xmlns:p="http://schemas.openxmlformats.org/presentationml/2006/main">
-  <p:cSld>
-    <p:spTree>
-      <p:nvGrpSpPr>
-        <p:cNvPr id="1" name=""/>
-        <p:cNvGrpSpPr/>
-        <p:nvPr/>
-      </p:nvGrpSpPr>
-      <p:grpSpPr>
-        <a:xfrm>
-          <a:off x="0" y="0"/>
-          <a:ext cx="0" cy="0"/>
-          <a:chOff x="0" y="0"/>
-          <a:chExt cx="0" cy="0"/>
-        </a:xfrm>
-      </p:grpSpPr>
-      <p:sp>
-        <p:nvSpPr>
           <p:cNvPr id="2" name="标题 1">
             <a:extLst>
               <a:ext uri="{FF2B5EF4-FFF2-40B4-BE49-F238E27FC236}">
@@ -4075,10 +3539,10 @@
         </p:nvGrpSpPr>
         <p:grpSpPr>
           <a:xfrm>
-            <a:off x="983440" y="2086098"/>
-            <a:ext cx="9913479" cy="3716640"/>
-            <a:chOff x="983440" y="2086098"/>
-            <a:chExt cx="9913479" cy="3716640"/>
+            <a:off x="1068398" y="2086098"/>
+            <a:ext cx="9828521" cy="3716640"/>
+            <a:chOff x="1068398" y="2086098"/>
+            <a:chExt cx="9828521" cy="3716640"/>
           </a:xfrm>
         </p:grpSpPr>
         <p:grpSp>
@@ -4095,10 +3559,10 @@
           </p:nvGrpSpPr>
           <p:grpSpPr>
             <a:xfrm>
-              <a:off x="983440" y="2090412"/>
-              <a:ext cx="9913479" cy="3712326"/>
-              <a:chOff x="891830" y="1953880"/>
-              <a:chExt cx="9913479" cy="3712326"/>
+              <a:off x="1068398" y="2090412"/>
+              <a:ext cx="9828521" cy="3712326"/>
+              <a:chOff x="976788" y="1953880"/>
+              <a:chExt cx="9828521" cy="3712326"/>
             </a:xfrm>
           </p:grpSpPr>
           <p:sp>
@@ -4165,8 +3629,8 @@
             </p:nvSpPr>
             <p:spPr>
               <a:xfrm>
-                <a:off x="891830" y="2632843"/>
-                <a:ext cx="734496" cy="307777"/>
+                <a:off x="976788" y="2636584"/>
+                <a:ext cx="556563" cy="307777"/>
               </a:xfrm>
               <a:prstGeom prst="rect">
                 <a:avLst/>
@@ -4185,8 +3649,8 @@
               <a:lstStyle/>
               <a:p>
                 <a:r>
-                  <a:rPr lang="en-US" altLang="zh-CN" sz="1400" dirty="0" err="1"/>
-                  <a:t>talkMic</a:t>
+                  <a:rPr lang="en-US" altLang="zh-CN" sz="1400" dirty="0"/>
+                  <a:t>Mic1</a:t>
                 </a:r>
                 <a:endParaRPr lang="zh-CN" altLang="en-US" sz="1400" dirty="0"/>
               </a:p>
@@ -4207,7 +3671,7 @@
             <p:spPr>
               <a:xfrm>
                 <a:off x="976788" y="3067661"/>
-                <a:ext cx="668773" cy="307777"/>
+                <a:ext cx="556563" cy="307777"/>
               </a:xfrm>
               <a:prstGeom prst="rect">
                 <a:avLst/>
@@ -4226,8 +3690,8 @@
               <a:lstStyle/>
               <a:p>
                 <a:r>
-                  <a:rPr lang="en-US" altLang="zh-CN" sz="1400" dirty="0" err="1"/>
-                  <a:t>refMic</a:t>
+                  <a:rPr lang="en-US" altLang="zh-CN" sz="1400" dirty="0"/>
+                  <a:t>Mic2</a:t>
                 </a:r>
                 <a:endParaRPr lang="zh-CN" altLang="en-US" sz="1400" dirty="0"/>
               </a:p>
@@ -4331,8 +3795,8 @@
             </p:nvCxnSpPr>
             <p:spPr>
               <a:xfrm>
-                <a:off x="1626326" y="2786732"/>
-                <a:ext cx="363622" cy="3742"/>
+                <a:off x="1533351" y="2790473"/>
+                <a:ext cx="456597" cy="1"/>
               </a:xfrm>
               <a:prstGeom prst="straightConnector1">
                 <a:avLst/>
@@ -4374,8 +3838,8 @@
             </p:nvCxnSpPr>
             <p:spPr>
               <a:xfrm>
-                <a:off x="1645561" y="3221550"/>
-                <a:ext cx="344387" cy="3742"/>
+                <a:off x="1533351" y="3221550"/>
+                <a:ext cx="456597" cy="3742"/>
               </a:xfrm>
               <a:prstGeom prst="straightConnector1">
                 <a:avLst/>

--- a/2023/01方案/九音方案参考设计资料/B7) 无线麦克风(小蜜蜂)/Soundec 无线降噪麦克风解决方案.pptx
+++ b/2023/01方案/九音方案参考设计资料/B7) 无线麦克风(小蜜蜂)/Soundec 无线降噪麦克风解决方案.pptx
@@ -6,7 +6,8 @@
   </p:sldMasterIdLst>
   <p:sldIdLst>
     <p:sldId id="256" r:id="rId2"/>
-    <p:sldId id="257" r:id="rId3"/>
+    <p:sldId id="259" r:id="rId3"/>
+    <p:sldId id="257" r:id="rId4"/>
   </p:sldIdLst>
   <p:sldSz cx="12192000" cy="6858000"/>
   <p:notesSz cx="6858000" cy="9144000"/>
@@ -260,7 +261,7 @@
           <a:p>
             <a:fld id="{1C677AD7-C65F-4FC9-8BB3-46357C9429F2}" type="datetimeFigureOut">
               <a:rPr lang="zh-CN" altLang="en-US" smtClean="0"/>
-              <a:t>2023/4/12</a:t>
+              <a:t>2022/10/19</a:t>
             </a:fld>
             <a:endParaRPr lang="zh-CN" altLang="en-US"/>
           </a:p>
@@ -458,7 +459,7 @@
           <a:p>
             <a:fld id="{1C677AD7-C65F-4FC9-8BB3-46357C9429F2}" type="datetimeFigureOut">
               <a:rPr lang="zh-CN" altLang="en-US" smtClean="0"/>
-              <a:t>2023/4/12</a:t>
+              <a:t>2022/10/19</a:t>
             </a:fld>
             <a:endParaRPr lang="zh-CN" altLang="en-US"/>
           </a:p>
@@ -666,7 +667,7 @@
           <a:p>
             <a:fld id="{1C677AD7-C65F-4FC9-8BB3-46357C9429F2}" type="datetimeFigureOut">
               <a:rPr lang="zh-CN" altLang="en-US" smtClean="0"/>
-              <a:t>2023/4/12</a:t>
+              <a:t>2022/10/19</a:t>
             </a:fld>
             <a:endParaRPr lang="zh-CN" altLang="en-US"/>
           </a:p>
@@ -864,7 +865,7 @@
           <a:p>
             <a:fld id="{1C677AD7-C65F-4FC9-8BB3-46357C9429F2}" type="datetimeFigureOut">
               <a:rPr lang="zh-CN" altLang="en-US" smtClean="0"/>
-              <a:t>2023/4/12</a:t>
+              <a:t>2022/10/19</a:t>
             </a:fld>
             <a:endParaRPr lang="zh-CN" altLang="en-US"/>
           </a:p>
@@ -1139,7 +1140,7 @@
           <a:p>
             <a:fld id="{1C677AD7-C65F-4FC9-8BB3-46357C9429F2}" type="datetimeFigureOut">
               <a:rPr lang="zh-CN" altLang="en-US" smtClean="0"/>
-              <a:t>2023/4/12</a:t>
+              <a:t>2022/10/19</a:t>
             </a:fld>
             <a:endParaRPr lang="zh-CN" altLang="en-US"/>
           </a:p>
@@ -1404,7 +1405,7 @@
           <a:p>
             <a:fld id="{1C677AD7-C65F-4FC9-8BB3-46357C9429F2}" type="datetimeFigureOut">
               <a:rPr lang="zh-CN" altLang="en-US" smtClean="0"/>
-              <a:t>2023/4/12</a:t>
+              <a:t>2022/10/19</a:t>
             </a:fld>
             <a:endParaRPr lang="zh-CN" altLang="en-US"/>
           </a:p>
@@ -1816,7 +1817,7 @@
           <a:p>
             <a:fld id="{1C677AD7-C65F-4FC9-8BB3-46357C9429F2}" type="datetimeFigureOut">
               <a:rPr lang="zh-CN" altLang="en-US" smtClean="0"/>
-              <a:t>2023/4/12</a:t>
+              <a:t>2022/10/19</a:t>
             </a:fld>
             <a:endParaRPr lang="zh-CN" altLang="en-US"/>
           </a:p>
@@ -1957,7 +1958,7 @@
           <a:p>
             <a:fld id="{1C677AD7-C65F-4FC9-8BB3-46357C9429F2}" type="datetimeFigureOut">
               <a:rPr lang="zh-CN" altLang="en-US" smtClean="0"/>
-              <a:t>2023/4/12</a:t>
+              <a:t>2022/10/19</a:t>
             </a:fld>
             <a:endParaRPr lang="zh-CN" altLang="en-US"/>
           </a:p>
@@ -2070,7 +2071,7 @@
           <a:p>
             <a:fld id="{1C677AD7-C65F-4FC9-8BB3-46357C9429F2}" type="datetimeFigureOut">
               <a:rPr lang="zh-CN" altLang="en-US" smtClean="0"/>
-              <a:t>2023/4/12</a:t>
+              <a:t>2022/10/19</a:t>
             </a:fld>
             <a:endParaRPr lang="zh-CN" altLang="en-US"/>
           </a:p>
@@ -2381,7 +2382,7 @@
           <a:p>
             <a:fld id="{1C677AD7-C65F-4FC9-8BB3-46357C9429F2}" type="datetimeFigureOut">
               <a:rPr lang="zh-CN" altLang="en-US" smtClean="0"/>
-              <a:t>2023/4/12</a:t>
+              <a:t>2022/10/19</a:t>
             </a:fld>
             <a:endParaRPr lang="zh-CN" altLang="en-US"/>
           </a:p>
@@ -2669,7 +2670,7 @@
           <a:p>
             <a:fld id="{1C677AD7-C65F-4FC9-8BB3-46357C9429F2}" type="datetimeFigureOut">
               <a:rPr lang="zh-CN" altLang="en-US" smtClean="0"/>
-              <a:t>2023/4/12</a:t>
+              <a:t>2022/10/19</a:t>
             </a:fld>
             <a:endParaRPr lang="zh-CN" altLang="en-US"/>
           </a:p>
@@ -2910,7 +2911,7 @@
           <a:p>
             <a:fld id="{1C677AD7-C65F-4FC9-8BB3-46357C9429F2}" type="datetimeFigureOut">
               <a:rPr lang="zh-CN" altLang="en-US" smtClean="0"/>
-              <a:t>2023/4/12</a:t>
+              <a:t>2022/10/19</a:t>
             </a:fld>
             <a:endParaRPr lang="zh-CN" altLang="en-US"/>
           </a:p>
@@ -3463,6 +3464,541 @@
       </p:grpSpPr>
       <p:sp>
         <p:nvSpPr>
+          <p:cNvPr id="20" name="椭圆 19">
+            <a:extLst>
+              <a:ext uri="{FF2B5EF4-FFF2-40B4-BE49-F238E27FC236}">
+                <a16:creationId xmlns:a16="http://schemas.microsoft.com/office/drawing/2014/main" id="{E068E626-84E0-4C43-87A1-20918B79E689}"/>
+              </a:ext>
+            </a:extLst>
+          </p:cNvPr>
+          <p:cNvSpPr/>
+          <p:nvPr/>
+        </p:nvSpPr>
+        <p:spPr>
+          <a:xfrm>
+            <a:off x="6687354" y="1936975"/>
+            <a:ext cx="5157989" cy="4340181"/>
+          </a:xfrm>
+          <a:prstGeom prst="ellipse">
+            <a:avLst/>
+          </a:prstGeom>
+        </p:spPr>
+        <p:style>
+          <a:lnRef idx="2">
+            <a:schemeClr val="accent4"/>
+          </a:lnRef>
+          <a:fillRef idx="1">
+            <a:schemeClr val="lt1"/>
+          </a:fillRef>
+          <a:effectRef idx="0">
+            <a:schemeClr val="accent4"/>
+          </a:effectRef>
+          <a:fontRef idx="minor">
+            <a:schemeClr val="dk1"/>
+          </a:fontRef>
+        </p:style>
+        <p:txBody>
+          <a:bodyPr rtlCol="0" anchor="ctr"/>
+          <a:lstStyle/>
+          <a:p>
+            <a:pPr algn="ctr"/>
+            <a:endParaRPr lang="zh-CN" altLang="en-US"/>
+          </a:p>
+        </p:txBody>
+      </p:sp>
+      <p:sp>
+        <p:nvSpPr>
+          <p:cNvPr id="19" name="椭圆 18">
+            <a:extLst>
+              <a:ext uri="{FF2B5EF4-FFF2-40B4-BE49-F238E27FC236}">
+                <a16:creationId xmlns:a16="http://schemas.microsoft.com/office/drawing/2014/main" id="{E19AB3E3-353F-43AC-A545-589E64CBC8DD}"/>
+              </a:ext>
+            </a:extLst>
+          </p:cNvPr>
+          <p:cNvSpPr/>
+          <p:nvPr/>
+        </p:nvSpPr>
+        <p:spPr>
+          <a:xfrm>
+            <a:off x="1310424" y="1899285"/>
+            <a:ext cx="5157989" cy="4340181"/>
+          </a:xfrm>
+          <a:prstGeom prst="ellipse">
+            <a:avLst/>
+          </a:prstGeom>
+        </p:spPr>
+        <p:style>
+          <a:lnRef idx="2">
+            <a:schemeClr val="accent4"/>
+          </a:lnRef>
+          <a:fillRef idx="1">
+            <a:schemeClr val="lt1"/>
+          </a:fillRef>
+          <a:effectRef idx="0">
+            <a:schemeClr val="accent4"/>
+          </a:effectRef>
+          <a:fontRef idx="minor">
+            <a:schemeClr val="dk1"/>
+          </a:fontRef>
+        </p:style>
+        <p:txBody>
+          <a:bodyPr rtlCol="0" anchor="ctr"/>
+          <a:lstStyle/>
+          <a:p>
+            <a:pPr algn="ctr"/>
+            <a:endParaRPr lang="zh-CN" altLang="en-US" dirty="0"/>
+          </a:p>
+        </p:txBody>
+      </p:sp>
+      <p:sp>
+        <p:nvSpPr>
+          <p:cNvPr id="2" name="标题 1">
+            <a:extLst>
+              <a:ext uri="{FF2B5EF4-FFF2-40B4-BE49-F238E27FC236}">
+                <a16:creationId xmlns:a16="http://schemas.microsoft.com/office/drawing/2014/main" id="{E4FC518D-355A-41E3-AE0B-8F9BDC744D45}"/>
+              </a:ext>
+            </a:extLst>
+          </p:cNvPr>
+          <p:cNvSpPr>
+            <a:spLocks noGrp="1"/>
+          </p:cNvSpPr>
+          <p:nvPr>
+            <p:ph type="title"/>
+          </p:nvPr>
+        </p:nvSpPr>
+        <p:spPr/>
+        <p:txBody>
+          <a:bodyPr/>
+          <a:lstStyle/>
+          <a:p>
+            <a:r>
+              <a:rPr lang="zh-CN" altLang="en-US" dirty="0"/>
+              <a:t>方案架构</a:t>
+            </a:r>
+            <a:r>
+              <a:rPr lang="en-US" altLang="zh-CN" dirty="0"/>
+              <a:t> (1*Tx</a:t>
+            </a:r>
+            <a:r>
+              <a:rPr lang="zh-CN" altLang="en-US" dirty="0"/>
+              <a:t>，</a:t>
+            </a:r>
+            <a:r>
+              <a:rPr lang="en-US" altLang="zh-CN" dirty="0"/>
+              <a:t>1*Rx)</a:t>
+            </a:r>
+            <a:endParaRPr lang="zh-CN" altLang="en-US" dirty="0"/>
+          </a:p>
+        </p:txBody>
+      </p:sp>
+      <p:pic>
+        <p:nvPicPr>
+          <p:cNvPr id="6" name="图片 5">
+            <a:extLst>
+              <a:ext uri="{FF2B5EF4-FFF2-40B4-BE49-F238E27FC236}">
+                <a16:creationId xmlns:a16="http://schemas.microsoft.com/office/drawing/2014/main" id="{DF636233-2F61-402F-AE6B-7A5CC5DB8445}"/>
+              </a:ext>
+            </a:extLst>
+          </p:cNvPr>
+          <p:cNvPicPr>
+            <a:picLocks noChangeAspect="1"/>
+          </p:cNvPicPr>
+          <p:nvPr/>
+        </p:nvPicPr>
+        <p:blipFill rotWithShape="1">
+          <a:blip r:embed="rId2"/>
+          <a:srcRect l="60058" t="29096" r="-1"/>
+          <a:stretch/>
+        </p:blipFill>
+        <p:spPr>
+          <a:xfrm>
+            <a:off x="8518300" y="2763361"/>
+            <a:ext cx="1496095" cy="2687407"/>
+          </a:xfrm>
+          <a:prstGeom prst="rect">
+            <a:avLst/>
+          </a:prstGeom>
+        </p:spPr>
+      </p:pic>
+      <p:pic>
+        <p:nvPicPr>
+          <p:cNvPr id="8" name="图片 7">
+            <a:extLst>
+              <a:ext uri="{FF2B5EF4-FFF2-40B4-BE49-F238E27FC236}">
+                <a16:creationId xmlns:a16="http://schemas.microsoft.com/office/drawing/2014/main" id="{03E90B67-BB3D-4B52-9BAB-50F5AA5D3868}"/>
+              </a:ext>
+            </a:extLst>
+          </p:cNvPr>
+          <p:cNvPicPr>
+            <a:picLocks noChangeAspect="1"/>
+          </p:cNvPicPr>
+          <p:nvPr/>
+        </p:nvPicPr>
+        <p:blipFill>
+          <a:blip r:embed="rId3"/>
+          <a:stretch>
+            <a:fillRect/>
+          </a:stretch>
+        </p:blipFill>
+        <p:spPr>
+          <a:xfrm>
+            <a:off x="2382593" y="2384282"/>
+            <a:ext cx="2365390" cy="3445568"/>
+          </a:xfrm>
+          <a:prstGeom prst="rect">
+            <a:avLst/>
+          </a:prstGeom>
+        </p:spPr>
+      </p:pic>
+      <p:sp>
+        <p:nvSpPr>
+          <p:cNvPr id="9" name="文本框 8">
+            <a:extLst>
+              <a:ext uri="{FF2B5EF4-FFF2-40B4-BE49-F238E27FC236}">
+                <a16:creationId xmlns:a16="http://schemas.microsoft.com/office/drawing/2014/main" id="{11287B92-C2E2-41B6-8C70-F55896DEE7EF}"/>
+              </a:ext>
+            </a:extLst>
+          </p:cNvPr>
+          <p:cNvSpPr txBox="1"/>
+          <p:nvPr/>
+        </p:nvSpPr>
+        <p:spPr>
+          <a:xfrm>
+            <a:off x="5602968" y="3529228"/>
+            <a:ext cx="734496" cy="307777"/>
+          </a:xfrm>
+          <a:prstGeom prst="rect">
+            <a:avLst/>
+          </a:prstGeom>
+          <a:solidFill>
+            <a:schemeClr val="accent4">
+              <a:lumMod val="40000"/>
+              <a:lumOff val="60000"/>
+            </a:schemeClr>
+          </a:solidFill>
+        </p:spPr>
+        <p:txBody>
+          <a:bodyPr wrap="none" rtlCol="0">
+            <a:spAutoFit/>
+          </a:bodyPr>
+          <a:lstStyle/>
+          <a:p>
+            <a:r>
+              <a:rPr lang="en-US" altLang="zh-CN" sz="1400" dirty="0" err="1"/>
+              <a:t>talkMic</a:t>
+            </a:r>
+            <a:endParaRPr lang="zh-CN" altLang="en-US" sz="1400" dirty="0"/>
+          </a:p>
+        </p:txBody>
+      </p:sp>
+      <p:sp>
+        <p:nvSpPr>
+          <p:cNvPr id="10" name="文本框 9">
+            <a:extLst>
+              <a:ext uri="{FF2B5EF4-FFF2-40B4-BE49-F238E27FC236}">
+                <a16:creationId xmlns:a16="http://schemas.microsoft.com/office/drawing/2014/main" id="{9B33BEB6-4D57-4B14-9FB3-A632BD1B3D76}"/>
+              </a:ext>
+            </a:extLst>
+          </p:cNvPr>
+          <p:cNvSpPr txBox="1"/>
+          <p:nvPr/>
+        </p:nvSpPr>
+        <p:spPr>
+          <a:xfrm>
+            <a:off x="5602968" y="4069376"/>
+            <a:ext cx="734496" cy="307777"/>
+          </a:xfrm>
+          <a:prstGeom prst="rect">
+            <a:avLst/>
+          </a:prstGeom>
+          <a:solidFill>
+            <a:schemeClr val="accent4">
+              <a:lumMod val="40000"/>
+              <a:lumOff val="60000"/>
+            </a:schemeClr>
+          </a:solidFill>
+        </p:spPr>
+        <p:txBody>
+          <a:bodyPr wrap="square" rtlCol="0">
+            <a:spAutoFit/>
+          </a:bodyPr>
+          <a:lstStyle/>
+          <a:p>
+            <a:r>
+              <a:rPr lang="en-US" altLang="zh-CN" sz="1400" dirty="0" err="1"/>
+              <a:t>refMic</a:t>
+            </a:r>
+            <a:endParaRPr lang="zh-CN" altLang="en-US" sz="1400" dirty="0"/>
+          </a:p>
+        </p:txBody>
+      </p:sp>
+      <p:cxnSp>
+        <p:nvCxnSpPr>
+          <p:cNvPr id="12" name="直接箭头连接符 11">
+            <a:extLst>
+              <a:ext uri="{FF2B5EF4-FFF2-40B4-BE49-F238E27FC236}">
+                <a16:creationId xmlns:a16="http://schemas.microsoft.com/office/drawing/2014/main" id="{BE138C34-BBE7-4176-91FE-54265D1EFF22}"/>
+              </a:ext>
+            </a:extLst>
+          </p:cNvPr>
+          <p:cNvCxnSpPr>
+            <a:cxnSpLocks/>
+            <a:endCxn id="9" idx="1"/>
+          </p:cNvCxnSpPr>
+          <p:nvPr/>
+        </p:nvCxnSpPr>
+        <p:spPr>
+          <a:xfrm>
+            <a:off x="4224270" y="2691685"/>
+            <a:ext cx="1378698" cy="991432"/>
+          </a:xfrm>
+          <a:prstGeom prst="straightConnector1">
+            <a:avLst/>
+          </a:prstGeom>
+          <a:ln>
+            <a:tailEnd type="triangle"/>
+          </a:ln>
+        </p:spPr>
+        <p:style>
+          <a:lnRef idx="1">
+            <a:schemeClr val="accent4"/>
+          </a:lnRef>
+          <a:fillRef idx="0">
+            <a:schemeClr val="accent4"/>
+          </a:fillRef>
+          <a:effectRef idx="0">
+            <a:schemeClr val="accent4"/>
+          </a:effectRef>
+          <a:fontRef idx="minor">
+            <a:schemeClr val="tx1"/>
+          </a:fontRef>
+        </p:style>
+      </p:cxnSp>
+      <p:sp>
+        <p:nvSpPr>
+          <p:cNvPr id="15" name="流程图: 磁盘 14">
+            <a:extLst>
+              <a:ext uri="{FF2B5EF4-FFF2-40B4-BE49-F238E27FC236}">
+                <a16:creationId xmlns:a16="http://schemas.microsoft.com/office/drawing/2014/main" id="{2AB706F6-31B8-481C-85CD-92690491792F}"/>
+              </a:ext>
+            </a:extLst>
+          </p:cNvPr>
+          <p:cNvSpPr/>
+          <p:nvPr/>
+        </p:nvSpPr>
+        <p:spPr>
+          <a:xfrm>
+            <a:off x="3779949" y="5180527"/>
+            <a:ext cx="218941" cy="170645"/>
+          </a:xfrm>
+          <a:prstGeom prst="flowChartMagneticDisk">
+            <a:avLst/>
+          </a:prstGeom>
+        </p:spPr>
+        <p:style>
+          <a:lnRef idx="1">
+            <a:schemeClr val="dk1"/>
+          </a:lnRef>
+          <a:fillRef idx="2">
+            <a:schemeClr val="dk1"/>
+          </a:fillRef>
+          <a:effectRef idx="1">
+            <a:schemeClr val="dk1"/>
+          </a:effectRef>
+          <a:fontRef idx="minor">
+            <a:schemeClr val="dk1"/>
+          </a:fontRef>
+        </p:style>
+        <p:txBody>
+          <a:bodyPr rtlCol="0" anchor="ctr"/>
+          <a:lstStyle/>
+          <a:p>
+            <a:pPr algn="ctr"/>
+            <a:endParaRPr lang="zh-CN" altLang="en-US"/>
+          </a:p>
+        </p:txBody>
+      </p:sp>
+      <p:cxnSp>
+        <p:nvCxnSpPr>
+          <p:cNvPr id="16" name="直接箭头连接符 15">
+            <a:extLst>
+              <a:ext uri="{FF2B5EF4-FFF2-40B4-BE49-F238E27FC236}">
+                <a16:creationId xmlns:a16="http://schemas.microsoft.com/office/drawing/2014/main" id="{FF13738E-0EBA-4802-846C-112E949508A5}"/>
+              </a:ext>
+            </a:extLst>
+          </p:cNvPr>
+          <p:cNvCxnSpPr>
+            <a:cxnSpLocks/>
+            <a:stCxn id="15" idx="4"/>
+            <a:endCxn id="10" idx="1"/>
+          </p:cNvCxnSpPr>
+          <p:nvPr/>
+        </p:nvCxnSpPr>
+        <p:spPr>
+          <a:xfrm flipV="1">
+            <a:off x="3998890" y="4223265"/>
+            <a:ext cx="1604078" cy="1042585"/>
+          </a:xfrm>
+          <a:prstGeom prst="straightConnector1">
+            <a:avLst/>
+          </a:prstGeom>
+          <a:ln>
+            <a:tailEnd type="triangle"/>
+          </a:ln>
+        </p:spPr>
+        <p:style>
+          <a:lnRef idx="1">
+            <a:schemeClr val="accent4"/>
+          </a:lnRef>
+          <a:fillRef idx="0">
+            <a:schemeClr val="accent4"/>
+          </a:fillRef>
+          <a:effectRef idx="0">
+            <a:schemeClr val="accent4"/>
+          </a:effectRef>
+          <a:fontRef idx="minor">
+            <a:schemeClr val="tx1"/>
+          </a:fontRef>
+        </p:style>
+      </p:cxnSp>
+      <p:sp>
+        <p:nvSpPr>
+          <p:cNvPr id="21" name="文本框 20">
+            <a:extLst>
+              <a:ext uri="{FF2B5EF4-FFF2-40B4-BE49-F238E27FC236}">
+                <a16:creationId xmlns:a16="http://schemas.microsoft.com/office/drawing/2014/main" id="{327B8D6F-FBD3-480A-8BC2-99FC54C73ACB}"/>
+              </a:ext>
+            </a:extLst>
+          </p:cNvPr>
+          <p:cNvSpPr txBox="1"/>
+          <p:nvPr/>
+        </p:nvSpPr>
+        <p:spPr>
+          <a:xfrm>
+            <a:off x="3450836" y="2032156"/>
+            <a:ext cx="877163" cy="369332"/>
+          </a:xfrm>
+          <a:prstGeom prst="rect">
+            <a:avLst/>
+          </a:prstGeom>
+          <a:noFill/>
+        </p:spPr>
+        <p:txBody>
+          <a:bodyPr wrap="none" rtlCol="0">
+            <a:spAutoFit/>
+          </a:bodyPr>
+          <a:lstStyle/>
+          <a:p>
+            <a:r>
+              <a:rPr lang="zh-CN" altLang="en-US" dirty="0"/>
+              <a:t>发射端</a:t>
+            </a:r>
+          </a:p>
+        </p:txBody>
+      </p:sp>
+      <p:sp>
+        <p:nvSpPr>
+          <p:cNvPr id="22" name="文本框 21">
+            <a:extLst>
+              <a:ext uri="{FF2B5EF4-FFF2-40B4-BE49-F238E27FC236}">
+                <a16:creationId xmlns:a16="http://schemas.microsoft.com/office/drawing/2014/main" id="{BDD41E8B-BC19-4980-A1F8-243D36DE620B}"/>
+              </a:ext>
+            </a:extLst>
+          </p:cNvPr>
+          <p:cNvSpPr txBox="1"/>
+          <p:nvPr/>
+        </p:nvSpPr>
+        <p:spPr>
+          <a:xfrm>
+            <a:off x="8775552" y="2165502"/>
+            <a:ext cx="877163" cy="369332"/>
+          </a:xfrm>
+          <a:prstGeom prst="rect">
+            <a:avLst/>
+          </a:prstGeom>
+          <a:noFill/>
+        </p:spPr>
+        <p:txBody>
+          <a:bodyPr wrap="none" rtlCol="0">
+            <a:spAutoFit/>
+          </a:bodyPr>
+          <a:lstStyle/>
+          <a:p>
+            <a:r>
+              <a:rPr lang="zh-CN" altLang="en-US" dirty="0"/>
+              <a:t>接收端</a:t>
+            </a:r>
+          </a:p>
+        </p:txBody>
+      </p:sp>
+      <p:pic>
+        <p:nvPicPr>
+          <p:cNvPr id="23" name="图片 22">
+            <a:extLst>
+              <a:ext uri="{FF2B5EF4-FFF2-40B4-BE49-F238E27FC236}">
+                <a16:creationId xmlns:a16="http://schemas.microsoft.com/office/drawing/2014/main" id="{9B164EC2-8C76-4A8A-BAB0-2799A8EFFC9B}"/>
+              </a:ext>
+            </a:extLst>
+          </p:cNvPr>
+          <p:cNvPicPr>
+            <a:picLocks noChangeAspect="1"/>
+          </p:cNvPicPr>
+          <p:nvPr/>
+        </p:nvPicPr>
+        <p:blipFill>
+          <a:blip r:embed="rId4">
+            <a:extLst>
+              <a:ext uri="{28A0092B-C50C-407E-A947-70E740481C1C}">
+                <a14:useLocalDpi xmlns:a14="http://schemas.microsoft.com/office/drawing/2010/main" val="0"/>
+              </a:ext>
+            </a:extLst>
+          </a:blip>
+          <a:stretch>
+            <a:fillRect/>
+          </a:stretch>
+        </p:blipFill>
+        <p:spPr>
+          <a:xfrm>
+            <a:off x="8609179" y="196176"/>
+            <a:ext cx="3251367" cy="1054154"/>
+          </a:xfrm>
+          <a:prstGeom prst="rect">
+            <a:avLst/>
+          </a:prstGeom>
+        </p:spPr>
+      </p:pic>
+    </p:spTree>
+    <p:extLst>
+      <p:ext uri="{BB962C8B-B14F-4D97-AF65-F5344CB8AC3E}">
+        <p14:creationId xmlns:p14="http://schemas.microsoft.com/office/powerpoint/2010/main" val="4237668292"/>
+      </p:ext>
+    </p:extLst>
+  </p:cSld>
+  <p:clrMapOvr>
+    <a:masterClrMapping/>
+  </p:clrMapOvr>
+</p:sld>
+</file>
+
+<file path=ppt/slides/slide3.xml><?xml version="1.0" encoding="utf-8"?>
+<p:sld xmlns:a="http://schemas.openxmlformats.org/drawingml/2006/main" xmlns:r="http://schemas.openxmlformats.org/officeDocument/2006/relationships" xmlns:p="http://schemas.openxmlformats.org/presentationml/2006/main">
+  <p:cSld>
+    <p:spTree>
+      <p:nvGrpSpPr>
+        <p:cNvPr id="1" name=""/>
+        <p:cNvGrpSpPr/>
+        <p:nvPr/>
+      </p:nvGrpSpPr>
+      <p:grpSpPr>
+        <a:xfrm>
+          <a:off x="0" y="0"/>
+          <a:ext cx="0" cy="0"/>
+          <a:chOff x="0" y="0"/>
+          <a:chExt cx="0" cy="0"/>
+        </a:xfrm>
+      </p:grpSpPr>
+      <p:sp>
+        <p:nvSpPr>
           <p:cNvPr id="2" name="标题 1">
             <a:extLst>
               <a:ext uri="{FF2B5EF4-FFF2-40B4-BE49-F238E27FC236}">
@@ -3539,10 +4075,10 @@
         </p:nvGrpSpPr>
         <p:grpSpPr>
           <a:xfrm>
-            <a:off x="1068398" y="2086098"/>
-            <a:ext cx="9828521" cy="3716640"/>
-            <a:chOff x="1068398" y="2086098"/>
-            <a:chExt cx="9828521" cy="3716640"/>
+            <a:off x="983440" y="2086098"/>
+            <a:ext cx="9913479" cy="3716640"/>
+            <a:chOff x="983440" y="2086098"/>
+            <a:chExt cx="9913479" cy="3716640"/>
           </a:xfrm>
         </p:grpSpPr>
         <p:grpSp>
@@ -3559,10 +4095,10 @@
           </p:nvGrpSpPr>
           <p:grpSpPr>
             <a:xfrm>
-              <a:off x="1068398" y="2090412"/>
-              <a:ext cx="9828521" cy="3712326"/>
-              <a:chOff x="976788" y="1953880"/>
-              <a:chExt cx="9828521" cy="3712326"/>
+              <a:off x="983440" y="2090412"/>
+              <a:ext cx="9913479" cy="3712326"/>
+              <a:chOff x="891830" y="1953880"/>
+              <a:chExt cx="9913479" cy="3712326"/>
             </a:xfrm>
           </p:grpSpPr>
           <p:sp>
@@ -3629,8 +4165,8 @@
             </p:nvSpPr>
             <p:spPr>
               <a:xfrm>
-                <a:off x="976788" y="2636584"/>
-                <a:ext cx="556563" cy="307777"/>
+                <a:off x="891830" y="2632843"/>
+                <a:ext cx="734496" cy="307777"/>
               </a:xfrm>
               <a:prstGeom prst="rect">
                 <a:avLst/>
@@ -3649,8 +4185,8 @@
               <a:lstStyle/>
               <a:p>
                 <a:r>
-                  <a:rPr lang="en-US" altLang="zh-CN" sz="1400" dirty="0"/>
-                  <a:t>Mic1</a:t>
+                  <a:rPr lang="en-US" altLang="zh-CN" sz="1400" dirty="0" err="1"/>
+                  <a:t>talkMic</a:t>
                 </a:r>
                 <a:endParaRPr lang="zh-CN" altLang="en-US" sz="1400" dirty="0"/>
               </a:p>
@@ -3671,7 +4207,7 @@
             <p:spPr>
               <a:xfrm>
                 <a:off x="976788" y="3067661"/>
-                <a:ext cx="556563" cy="307777"/>
+                <a:ext cx="668773" cy="307777"/>
               </a:xfrm>
               <a:prstGeom prst="rect">
                 <a:avLst/>
@@ -3690,8 +4226,8 @@
               <a:lstStyle/>
               <a:p>
                 <a:r>
-                  <a:rPr lang="en-US" altLang="zh-CN" sz="1400" dirty="0"/>
-                  <a:t>Mic2</a:t>
+                  <a:rPr lang="en-US" altLang="zh-CN" sz="1400" dirty="0" err="1"/>
+                  <a:t>refMic</a:t>
                 </a:r>
                 <a:endParaRPr lang="zh-CN" altLang="en-US" sz="1400" dirty="0"/>
               </a:p>
@@ -3795,8 +4331,8 @@
             </p:nvCxnSpPr>
             <p:spPr>
               <a:xfrm>
-                <a:off x="1533351" y="2790473"/>
-                <a:ext cx="456597" cy="1"/>
+                <a:off x="1626326" y="2786732"/>
+                <a:ext cx="363622" cy="3742"/>
               </a:xfrm>
               <a:prstGeom prst="straightConnector1">
                 <a:avLst/>
@@ -3838,8 +4374,8 @@
             </p:nvCxnSpPr>
             <p:spPr>
               <a:xfrm>
-                <a:off x="1533351" y="3221550"/>
-                <a:ext cx="456597" cy="3742"/>
+                <a:off x="1645561" y="3221550"/>
+                <a:ext cx="344387" cy="3742"/>
               </a:xfrm>
               <a:prstGeom prst="straightConnector1">
                 <a:avLst/>
